--- a/Figure_7_and_8_and_9_and_10_Discussion_2D_slices/ChiEff_vs_tdelay_2Dplot_priorWeighted.pptx
+++ b/Figure_7_and_8_and_9_and_10_Discussion_2D_slices/ChiEff_vs_tdelay_2Dplot_priorWeighted.pptx
@@ -3460,10 +3460,10 @@
       </p:grpSpPr>
       <p:pic>
         <p:nvPicPr>
-          <p:cNvPr id="21" name="Picture 20" descr="A picture containing text, indoor, window, tiled&#10;&#10;Description automatically generated">
+          <p:cNvPr id="3" name="Picture 2" descr="A picture containing text&#10;&#10;Description automatically generated">
             <a:extLst>
               <a:ext uri="{FF2B5EF4-FFF2-40B4-BE49-F238E27FC236}">
-                <a16:creationId xmlns:a16="http://schemas.microsoft.com/office/drawing/2014/main" id="{DE19A315-9F0E-0C4C-BA0E-800EA4F12BAC}"/>
+                <a16:creationId xmlns:a16="http://schemas.microsoft.com/office/drawing/2014/main" id="{B79D8251-0444-9986-5E2A-836895A8A468}"/>
               </a:ext>
             </a:extLst>
           </p:cNvPr>
@@ -3480,318 +3480,14 @@
         </p:blipFill>
         <p:spPr>
           <a:xfrm>
-            <a:off x="8630" y="0"/>
-            <a:ext cx="12174739" cy="4387850"/>
+            <a:off x="0" y="757"/>
+            <a:ext cx="12192000" cy="4386335"/>
           </a:xfrm>
           <a:prstGeom prst="rect">
             <a:avLst/>
           </a:prstGeom>
         </p:spPr>
       </p:pic>
-      <p:sp>
-        <p:nvSpPr>
-          <p:cNvPr id="6" name="TextBox 5">
-            <a:extLst>
-              <a:ext uri="{FF2B5EF4-FFF2-40B4-BE49-F238E27FC236}">
-                <a16:creationId xmlns:a16="http://schemas.microsoft.com/office/drawing/2014/main" id="{6DDDA123-0490-4D47-997F-65926F96842F}"/>
-              </a:ext>
-            </a:extLst>
-          </p:cNvPr>
-          <p:cNvSpPr txBox="1"/>
-          <p:nvPr/>
-        </p:nvSpPr>
-        <p:spPr>
-          <a:xfrm rot="16200000">
-            <a:off x="2128748" y="2607379"/>
-            <a:ext cx="920445" cy="276999"/>
-          </a:xfrm>
-          <a:prstGeom prst="rect">
-            <a:avLst/>
-          </a:prstGeom>
-          <a:noFill/>
-        </p:spPr>
-        <p:txBody>
-          <a:bodyPr wrap="none" rtlCol="0">
-            <a:spAutoFit/>
-          </a:bodyPr>
-          <a:lstStyle/>
-          <a:p>
-            <a:r>
-              <a:rPr lang="en-US" sz="1200" b="1" dirty="0">
-                <a:latin typeface="Times New Roman" panose="02020603050405020304" pitchFamily="18" charset="0"/>
-                <a:cs typeface="Times New Roman" panose="02020603050405020304" pitchFamily="18" charset="0"/>
-              </a:rPr>
-              <a:t>GW151226</a:t>
-            </a:r>
-          </a:p>
-        </p:txBody>
-      </p:sp>
-      <p:sp>
-        <p:nvSpPr>
-          <p:cNvPr id="7" name="TextBox 6">
-            <a:extLst>
-              <a:ext uri="{FF2B5EF4-FFF2-40B4-BE49-F238E27FC236}">
-                <a16:creationId xmlns:a16="http://schemas.microsoft.com/office/drawing/2014/main" id="{37E49E4E-FF54-B848-B365-204BDB394044}"/>
-              </a:ext>
-            </a:extLst>
-          </p:cNvPr>
-          <p:cNvSpPr txBox="1"/>
-          <p:nvPr/>
-        </p:nvSpPr>
-        <p:spPr>
-          <a:xfrm>
-            <a:off x="2810541" y="1864650"/>
-            <a:ext cx="920445" cy="276999"/>
-          </a:xfrm>
-          <a:prstGeom prst="rect">
-            <a:avLst/>
-          </a:prstGeom>
-          <a:noFill/>
-        </p:spPr>
-        <p:txBody>
-          <a:bodyPr wrap="none" rtlCol="0">
-            <a:spAutoFit/>
-          </a:bodyPr>
-          <a:lstStyle/>
-          <a:p>
-            <a:r>
-              <a:rPr lang="en-US" sz="1200" b="1" dirty="0">
-                <a:latin typeface="Times New Roman" panose="02020603050405020304" pitchFamily="18" charset="0"/>
-                <a:cs typeface="Times New Roman" panose="02020603050405020304" pitchFamily="18" charset="0"/>
-              </a:rPr>
-              <a:t>GW190412</a:t>
-            </a:r>
-          </a:p>
-        </p:txBody>
-      </p:sp>
-      <p:sp>
-        <p:nvSpPr>
-          <p:cNvPr id="8" name="TextBox 7">
-            <a:extLst>
-              <a:ext uri="{FF2B5EF4-FFF2-40B4-BE49-F238E27FC236}">
-                <a16:creationId xmlns:a16="http://schemas.microsoft.com/office/drawing/2014/main" id="{6DC35075-6FA5-EB45-98D5-CE6038D39DD6}"/>
-              </a:ext>
-            </a:extLst>
-          </p:cNvPr>
-          <p:cNvSpPr txBox="1"/>
-          <p:nvPr/>
-        </p:nvSpPr>
-        <p:spPr>
-          <a:xfrm>
-            <a:off x="5048919" y="1463239"/>
-            <a:ext cx="920445" cy="276999"/>
-          </a:xfrm>
-          <a:prstGeom prst="rect">
-            <a:avLst/>
-          </a:prstGeom>
-          <a:noFill/>
-        </p:spPr>
-        <p:txBody>
-          <a:bodyPr wrap="none" rtlCol="0">
-            <a:spAutoFit/>
-          </a:bodyPr>
-          <a:lstStyle/>
-          <a:p>
-            <a:r>
-              <a:rPr lang="en-US" sz="1200" b="1" dirty="0">
-                <a:latin typeface="Times New Roman" panose="02020603050405020304" pitchFamily="18" charset="0"/>
-                <a:cs typeface="Times New Roman" panose="02020603050405020304" pitchFamily="18" charset="0"/>
-              </a:rPr>
-              <a:t>GW190521</a:t>
-            </a:r>
-          </a:p>
-        </p:txBody>
-      </p:sp>
-      <p:sp>
-        <p:nvSpPr>
-          <p:cNvPr id="9" name="TextBox 8">
-            <a:extLst>
-              <a:ext uri="{FF2B5EF4-FFF2-40B4-BE49-F238E27FC236}">
-                <a16:creationId xmlns:a16="http://schemas.microsoft.com/office/drawing/2014/main" id="{8D5CD0A1-B21A-B84D-9E2A-B1C622FF3882}"/>
-              </a:ext>
-            </a:extLst>
-          </p:cNvPr>
-          <p:cNvSpPr txBox="1"/>
-          <p:nvPr/>
-        </p:nvSpPr>
-        <p:spPr>
-          <a:xfrm rot="16384610">
-            <a:off x="2683967" y="2974046"/>
-            <a:ext cx="1450590" cy="276999"/>
-          </a:xfrm>
-          <a:prstGeom prst="rect">
-            <a:avLst/>
-          </a:prstGeom>
-          <a:noFill/>
-        </p:spPr>
-        <p:txBody>
-          <a:bodyPr wrap="none" rtlCol="0">
-            <a:spAutoFit/>
-          </a:bodyPr>
-          <a:lstStyle/>
-          <a:p>
-            <a:r>
-              <a:rPr lang="en-US" sz="1200" b="1" dirty="0">
-                <a:latin typeface="Times New Roman" panose="02020603050405020304" pitchFamily="18" charset="0"/>
-                <a:cs typeface="Times New Roman" panose="02020603050405020304" pitchFamily="18" charset="0"/>
-              </a:rPr>
-              <a:t>GW191204_110529</a:t>
-            </a:r>
-          </a:p>
-        </p:txBody>
-      </p:sp>
-      <p:sp>
-        <p:nvSpPr>
-          <p:cNvPr id="10" name="TextBox 9">
-            <a:extLst>
-              <a:ext uri="{FF2B5EF4-FFF2-40B4-BE49-F238E27FC236}">
-                <a16:creationId xmlns:a16="http://schemas.microsoft.com/office/drawing/2014/main" id="{7FD8F1BA-D67A-5740-8DC4-D0E71B5583AA}"/>
-              </a:ext>
-            </a:extLst>
-          </p:cNvPr>
-          <p:cNvSpPr txBox="1"/>
-          <p:nvPr/>
-        </p:nvSpPr>
-        <p:spPr>
-          <a:xfrm rot="16353929">
-            <a:off x="1269720" y="2738145"/>
-            <a:ext cx="1459054" cy="276999"/>
-          </a:xfrm>
-          <a:prstGeom prst="rect">
-            <a:avLst/>
-          </a:prstGeom>
-          <a:noFill/>
-        </p:spPr>
-        <p:txBody>
-          <a:bodyPr wrap="none" rtlCol="0">
-            <a:spAutoFit/>
-          </a:bodyPr>
-          <a:lstStyle/>
-          <a:p>
-            <a:r>
-              <a:rPr lang="en-US" sz="1200" b="1" dirty="0">
-                <a:latin typeface="Times New Roman" panose="02020603050405020304" pitchFamily="18" charset="0"/>
-                <a:cs typeface="Times New Roman" panose="02020603050405020304" pitchFamily="18" charset="0"/>
-              </a:rPr>
-              <a:t>GW190924_021846</a:t>
-            </a:r>
-          </a:p>
-        </p:txBody>
-      </p:sp>
-      <p:sp>
-        <p:nvSpPr>
-          <p:cNvPr id="11" name="TextBox 10">
-            <a:extLst>
-              <a:ext uri="{FF2B5EF4-FFF2-40B4-BE49-F238E27FC236}">
-                <a16:creationId xmlns:a16="http://schemas.microsoft.com/office/drawing/2014/main" id="{6895F313-04EF-C846-A74B-620FD4700452}"/>
-              </a:ext>
-            </a:extLst>
-          </p:cNvPr>
-          <p:cNvSpPr txBox="1"/>
-          <p:nvPr/>
-        </p:nvSpPr>
-        <p:spPr>
-          <a:xfrm>
-            <a:off x="4212179" y="956545"/>
-            <a:ext cx="920445" cy="276999"/>
-          </a:xfrm>
-          <a:prstGeom prst="rect">
-            <a:avLst/>
-          </a:prstGeom>
-          <a:noFill/>
-        </p:spPr>
-        <p:txBody>
-          <a:bodyPr wrap="none" rtlCol="0">
-            <a:spAutoFit/>
-          </a:bodyPr>
-          <a:lstStyle/>
-          <a:p>
-            <a:r>
-              <a:rPr lang="en-US" sz="1200" b="1" dirty="0">
-                <a:latin typeface="Times New Roman" panose="02020603050405020304" pitchFamily="18" charset="0"/>
-                <a:cs typeface="Times New Roman" panose="02020603050405020304" pitchFamily="18" charset="0"/>
-              </a:rPr>
-              <a:t>GW170729</a:t>
-            </a:r>
-          </a:p>
-        </p:txBody>
-      </p:sp>
-      <p:sp>
-        <p:nvSpPr>
-          <p:cNvPr id="25" name="TextBox 24">
-            <a:extLst>
-              <a:ext uri="{FF2B5EF4-FFF2-40B4-BE49-F238E27FC236}">
-                <a16:creationId xmlns:a16="http://schemas.microsoft.com/office/drawing/2014/main" id="{F54E2E18-C5F2-3644-8B78-6257FBC6F6F8}"/>
-              </a:ext>
-            </a:extLst>
-          </p:cNvPr>
-          <p:cNvSpPr txBox="1"/>
-          <p:nvPr/>
-        </p:nvSpPr>
-        <p:spPr>
-          <a:xfrm>
-            <a:off x="11031945" y="1465030"/>
-            <a:ext cx="920445" cy="276999"/>
-          </a:xfrm>
-          <a:prstGeom prst="rect">
-            <a:avLst/>
-          </a:prstGeom>
-          <a:noFill/>
-        </p:spPr>
-        <p:txBody>
-          <a:bodyPr wrap="none" rtlCol="0">
-            <a:spAutoFit/>
-          </a:bodyPr>
-          <a:lstStyle/>
-          <a:p>
-            <a:r>
-              <a:rPr lang="en-US" sz="1200" b="1" dirty="0">
-                <a:latin typeface="Times New Roman" panose="02020603050405020304" pitchFamily="18" charset="0"/>
-                <a:cs typeface="Times New Roman" panose="02020603050405020304" pitchFamily="18" charset="0"/>
-              </a:rPr>
-              <a:t>GW190521</a:t>
-            </a:r>
-          </a:p>
-        </p:txBody>
-      </p:sp>
-      <p:sp>
-        <p:nvSpPr>
-          <p:cNvPr id="26" name="TextBox 25">
-            <a:extLst>
-              <a:ext uri="{FF2B5EF4-FFF2-40B4-BE49-F238E27FC236}">
-                <a16:creationId xmlns:a16="http://schemas.microsoft.com/office/drawing/2014/main" id="{7FE6E8F5-0042-4D45-A141-2CBF30DD1F5E}"/>
-              </a:ext>
-            </a:extLst>
-          </p:cNvPr>
-          <p:cNvSpPr txBox="1"/>
-          <p:nvPr/>
-        </p:nvSpPr>
-        <p:spPr>
-          <a:xfrm>
-            <a:off x="10195205" y="958336"/>
-            <a:ext cx="920445" cy="276999"/>
-          </a:xfrm>
-          <a:prstGeom prst="rect">
-            <a:avLst/>
-          </a:prstGeom>
-          <a:noFill/>
-        </p:spPr>
-        <p:txBody>
-          <a:bodyPr wrap="none" rtlCol="0">
-            <a:spAutoFit/>
-          </a:bodyPr>
-          <a:lstStyle/>
-          <a:p>
-            <a:r>
-              <a:rPr lang="en-US" sz="1200" b="1" dirty="0">
-                <a:latin typeface="Times New Roman" panose="02020603050405020304" pitchFamily="18" charset="0"/>
-                <a:cs typeface="Times New Roman" panose="02020603050405020304" pitchFamily="18" charset="0"/>
-              </a:rPr>
-              <a:t>GW170729</a:t>
-            </a:r>
-          </a:p>
-        </p:txBody>
-      </p:sp>
       <p:sp>
         <p:nvSpPr>
           <p:cNvPr id="12" name="TextBox 11">
@@ -3806,7 +3502,7 @@
         </p:nvSpPr>
         <p:spPr>
           <a:xfrm>
-            <a:off x="770327" y="133217"/>
+            <a:off x="4912020" y="90185"/>
             <a:ext cx="920445" cy="461665"/>
           </a:xfrm>
           <a:prstGeom prst="rect">
@@ -3844,7 +3540,7 @@
         </p:nvSpPr>
         <p:spPr>
           <a:xfrm>
-            <a:off x="6774866" y="133216"/>
+            <a:off x="10518521" y="90184"/>
             <a:ext cx="1519968" cy="461665"/>
           </a:xfrm>
           <a:prstGeom prst="rect">
